--- a/документация/презентация.pptx
+++ b/документация/презентация.pptx
@@ -213,7 +213,7 @@
           <a:effectLst/>
           <a:extLst>
             <a:ext uri="{91240B29-F687-4f45-9708-019B960494DF}">
-              <a14:hiddenLine xmlns="" xmlns:a14="http://schemas.microsoft.com/office/drawing/2010/main" w="9525">
+              <a14:hiddenLine xmlns:a14="http://schemas.microsoft.com/office/drawing/2010/main" xmlns="" w="9525">
                 <a:solidFill>
                   <a:srgbClr val="000000"/>
                 </a:solidFill>
@@ -1723,7 +1723,7 @@
           <a:ln/>
           <a:extLst>
             <a:ext uri="{91240B29-F687-4f45-9708-019B960494DF}">
-              <a14:hiddenLine xmlns="" xmlns:a14="http://schemas.microsoft.com/office/drawing/2010/main" w="9525">
+              <a14:hiddenLine xmlns:a14="http://schemas.microsoft.com/office/drawing/2010/main" xmlns="" w="9525">
                 <a:solidFill>
                   <a:srgbClr val="000000"/>
                 </a:solidFill>
@@ -1995,7 +1995,7 @@
           <a:ln/>
           <a:extLst>
             <a:ext uri="{91240B29-F687-4f45-9708-019B960494DF}">
-              <a14:hiddenLine xmlns="" xmlns:a14="http://schemas.microsoft.com/office/drawing/2010/main" w="9525">
+              <a14:hiddenLine xmlns:a14="http://schemas.microsoft.com/office/drawing/2010/main" xmlns="" w="9525">
                 <a:solidFill>
                   <a:srgbClr val="000000"/>
                 </a:solidFill>
@@ -2275,7 +2275,7 @@
           <a:ln/>
           <a:extLst>
             <a:ext uri="{91240B29-F687-4f45-9708-019B960494DF}">
-              <a14:hiddenLine xmlns="" xmlns:a14="http://schemas.microsoft.com/office/drawing/2010/main" w="9525">
+              <a14:hiddenLine xmlns:a14="http://schemas.microsoft.com/office/drawing/2010/main" xmlns="" w="9525">
                 <a:solidFill>
                   <a:srgbClr val="000000"/>
                 </a:solidFill>
@@ -2895,7 +2895,7 @@
           <a:ln/>
           <a:extLst>
             <a:ext uri="{91240B29-F687-4f45-9708-019B960494DF}">
-              <a14:hiddenLine xmlns="" xmlns:a14="http://schemas.microsoft.com/office/drawing/2010/main" w="9525">
+              <a14:hiddenLine xmlns:a14="http://schemas.microsoft.com/office/drawing/2010/main" xmlns="" w="9525">
                 <a:solidFill>
                   <a:srgbClr val="000000"/>
                 </a:solidFill>
@@ -3231,7 +3231,7 @@
           <a:ln/>
           <a:extLst>
             <a:ext uri="{91240B29-F687-4f45-9708-019B960494DF}">
-              <a14:hiddenLine xmlns="" xmlns:a14="http://schemas.microsoft.com/office/drawing/2010/main" w="9525">
+              <a14:hiddenLine xmlns:a14="http://schemas.microsoft.com/office/drawing/2010/main" xmlns="" w="9525">
                 <a:solidFill>
                   <a:srgbClr val="000000"/>
                 </a:solidFill>
@@ -3705,7 +3705,7 @@
           <a:ln/>
           <a:extLst>
             <a:ext uri="{91240B29-F687-4f45-9708-019B960494DF}">
-              <a14:hiddenLine xmlns="" xmlns:a14="http://schemas.microsoft.com/office/drawing/2010/main" w="9525">
+              <a14:hiddenLine xmlns:a14="http://schemas.microsoft.com/office/drawing/2010/main" xmlns="" w="9525">
                 <a:solidFill>
                   <a:srgbClr val="000000"/>
                 </a:solidFill>
@@ -4128,7 +4128,7 @@
           <a:ln/>
           <a:extLst>
             <a:ext uri="{91240B29-F687-4f45-9708-019B960494DF}">
-              <a14:hiddenLine xmlns="" xmlns:a14="http://schemas.microsoft.com/office/drawing/2010/main" w="9525">
+              <a14:hiddenLine xmlns:a14="http://schemas.microsoft.com/office/drawing/2010/main" xmlns="" w="9525">
                 <a:solidFill>
                   <a:srgbClr val="000000"/>
                 </a:solidFill>
@@ -5746,7 +5746,7 @@
             </a:pPr>
             <a:r>
               <a:rPr lang="ru-RU" dirty="0"/>
-              <a:t>Платформа для  создания и прохождения тестов</a:t>
+              <a:t>Платформа для создания и прохождения тестов</a:t>
             </a:r>
           </a:p>
           <a:p>
@@ -5766,7 +5766,7 @@
             </a:pPr>
             <a:r>
               <a:rPr lang="ru-RU" dirty="0"/>
-              <a:t>Удобная работа с тестами</a:t>
+              <a:t>Удобная и рациональная работа с тестами</a:t>
             </a:r>
           </a:p>
           <a:p>
@@ -5942,7 +5942,7 @@
         <p:spPr>
           <a:xfrm>
             <a:off x="466051" y="2743202"/>
-            <a:ext cx="9164509" cy="369332"/>
+            <a:ext cx="9164509" cy="2862322"/>
           </a:xfrm>
           <a:prstGeom prst="rect">
             <a:avLst/>
@@ -5955,10 +5955,133 @@
           </a:bodyPr>
           <a:lstStyle/>
           <a:p>
+            <a:pPr marL="285750" indent="-285750">
+              <a:buFont typeface="Arial" panose="020B0604020202020204" pitchFamily="34" charset="0"/>
+              <a:buChar char="•"/>
+            </a:pPr>
+            <a:r>
+              <a:rPr lang="en-US" dirty="0"/>
+              <a:t>Python – </a:t>
+            </a:r>
             <a:r>
               <a:rPr lang="ru-RU" dirty="0"/>
-              <a:t>…..</a:t>
-            </a:r>
+              <a:t>язык программирования на котором написан сервер</a:t>
+            </a:r>
+          </a:p>
+          <a:p>
+            <a:pPr marL="285750" indent="-285750">
+              <a:buFont typeface="Arial" panose="020B0604020202020204" pitchFamily="34" charset="0"/>
+              <a:buChar char="•"/>
+            </a:pPr>
+            <a:endParaRPr lang="ru-RU" dirty="0"/>
+          </a:p>
+          <a:p>
+            <a:pPr marL="285750" indent="-285750">
+              <a:buFont typeface="Arial" panose="020B0604020202020204" pitchFamily="34" charset="0"/>
+              <a:buChar char="•"/>
+            </a:pPr>
+            <a:r>
+              <a:rPr lang="en-US" dirty="0"/>
+              <a:t>Flask – </a:t>
+            </a:r>
+            <a:r>
+              <a:rPr lang="ru-RU" dirty="0"/>
+              <a:t>основная библиотека, осуществляющая работу сервера</a:t>
+            </a:r>
+          </a:p>
+          <a:p>
+            <a:pPr marL="285750" indent="-285750">
+              <a:buFont typeface="Arial" panose="020B0604020202020204" pitchFamily="34" charset="0"/>
+              <a:buChar char="•"/>
+            </a:pPr>
+            <a:r>
+              <a:rPr lang="en-US" dirty="0"/>
+              <a:t>Flask_login – </a:t>
+            </a:r>
+            <a:r>
+              <a:rPr lang="ru-RU" dirty="0"/>
+              <a:t>для возможности входа в систему</a:t>
+            </a:r>
+          </a:p>
+          <a:p>
+            <a:pPr marL="285750" indent="-285750">
+              <a:buFont typeface="Arial" panose="020B0604020202020204" pitchFamily="34" charset="0"/>
+              <a:buChar char="•"/>
+            </a:pPr>
+            <a:r>
+              <a:rPr lang="en-US" dirty="0"/>
+              <a:t>Flask_wtf</a:t>
+            </a:r>
+            <a:r>
+              <a:rPr lang="ru-RU" dirty="0"/>
+              <a:t> – для создания форм</a:t>
+            </a:r>
+          </a:p>
+          <a:p>
+            <a:pPr marL="285750" indent="-285750">
+              <a:buFont typeface="Arial" panose="020B0604020202020204" pitchFamily="34" charset="0"/>
+              <a:buChar char="•"/>
+            </a:pPr>
+            <a:endParaRPr lang="en-US" dirty="0"/>
+          </a:p>
+          <a:p>
+            <a:pPr marL="285750" indent="-285750">
+              <a:buFont typeface="Arial" panose="020B0604020202020204" pitchFamily="34" charset="0"/>
+              <a:buChar char="•"/>
+            </a:pPr>
+            <a:r>
+              <a:rPr lang="en-US" dirty="0"/>
+              <a:t>SQLite</a:t>
+            </a:r>
+            <a:r>
+              <a:rPr lang="ru-RU" dirty="0"/>
+              <a:t>3 – библиотека, позволяющая работать с базой данных</a:t>
+            </a:r>
+          </a:p>
+          <a:p>
+            <a:pPr marL="285750" indent="-285750">
+              <a:buFont typeface="Arial" panose="020B0604020202020204" pitchFamily="34" charset="0"/>
+              <a:buChar char="•"/>
+            </a:pPr>
+            <a:r>
+              <a:rPr lang="en-US" dirty="0"/>
+              <a:t>Datetime</a:t>
+            </a:r>
+            <a:r>
+              <a:rPr lang="ru-RU" dirty="0"/>
+              <a:t> – для определения текущего времени</a:t>
+            </a:r>
+            <a:endParaRPr lang="en-US" dirty="0"/>
+          </a:p>
+          <a:p>
+            <a:pPr marL="285750" indent="-285750">
+              <a:buFont typeface="Arial" panose="020B0604020202020204" pitchFamily="34" charset="0"/>
+              <a:buChar char="•"/>
+            </a:pPr>
+            <a:r>
+              <a:rPr lang="en-US" dirty="0"/>
+              <a:t>Json</a:t>
+            </a:r>
+            <a:r>
+              <a:rPr lang="ru-RU" dirty="0"/>
+              <a:t> – для хранения информации о тестах</a:t>
+            </a:r>
+            <a:endParaRPr lang="en-US" dirty="0"/>
+          </a:p>
+          <a:p>
+            <a:pPr marL="285750" indent="-285750">
+              <a:buFont typeface="Arial" panose="020B0604020202020204" pitchFamily="34" charset="0"/>
+              <a:buChar char="•"/>
+            </a:pPr>
+            <a:r>
+              <a:rPr lang="en-US" dirty="0"/>
+              <a:t>Logging</a:t>
+            </a:r>
+            <a:r>
+              <a:rPr lang="ru-RU" dirty="0"/>
+              <a:t> – для ведения логов о работе сервера</a:t>
+            </a:r>
+            <a:endParaRPr lang="en-US" dirty="0"/>
           </a:p>
         </p:txBody>
       </p:sp>
@@ -6062,7 +6185,7 @@
           <a:p>
             <a:r>
               <a:rPr lang="ru-RU" dirty="0"/>
-              <a:t>……</a:t>
+              <a:t>КАК МЫ ЭТО СДЕЛАЛИ</a:t>
             </a:r>
           </a:p>
         </p:txBody>
@@ -6232,7 +6355,7 @@
           <a:p>
             <a:r>
               <a:rPr lang="ru-RU" dirty="0"/>
-              <a:t>……</a:t>
+              <a:t>КАК ЭТО МОЖНО РАЗВИТЬ</a:t>
             </a:r>
           </a:p>
         </p:txBody>
@@ -6402,7 +6525,7 @@
           <a:p>
             <a:r>
               <a:rPr lang="ru-RU" dirty="0"/>
-              <a:t>……</a:t>
+              <a:t>КАК ЭТО МОЖНО РАЗВИТЬ</a:t>
             </a:r>
           </a:p>
         </p:txBody>
@@ -6572,7 +6695,7 @@
           <a:p>
             <a:r>
               <a:rPr lang="ru-RU" dirty="0"/>
-              <a:t>……</a:t>
+              <a:t>ОСОБЕННОСТИ</a:t>
             </a:r>
           </a:p>
         </p:txBody>
@@ -6742,7 +6865,7 @@
           <a:p>
             <a:r>
               <a:rPr lang="ru-RU" dirty="0"/>
-              <a:t>……</a:t>
+              <a:t>ПЕРЕЙДЕМ К ДЕМОНСТРАЦИИ</a:t>
             </a:r>
           </a:p>
         </p:txBody>

--- a/документация/презентация.pptx
+++ b/документация/презентация.pptx
@@ -7,10 +7,10 @@
   <p:sldIdLst>
     <p:sldId id="256" r:id="rId2"/>
     <p:sldId id="257" r:id="rId3"/>
-    <p:sldId id="258" r:id="rId4"/>
-    <p:sldId id="259" r:id="rId5"/>
-    <p:sldId id="260" r:id="rId6"/>
-    <p:sldId id="261" r:id="rId7"/>
+    <p:sldId id="263" r:id="rId4"/>
+    <p:sldId id="261" r:id="rId5"/>
+    <p:sldId id="258" r:id="rId6"/>
+    <p:sldId id="259" r:id="rId7"/>
     <p:sldId id="262" r:id="rId8"/>
   </p:sldIdLst>
   <p:sldSz cx="12192000" cy="6858000"/>
@@ -213,7 +213,7 @@
           <a:effectLst/>
           <a:extLst>
             <a:ext uri="{91240B29-F687-4f45-9708-019B960494DF}">
-              <a14:hiddenLine xmlns:a14="http://schemas.microsoft.com/office/drawing/2010/main" xmlns="" w="9525">
+              <a14:hiddenLine xmlns="" xmlns:a14="http://schemas.microsoft.com/office/drawing/2010/main" w="9525">
                 <a:solidFill>
                   <a:srgbClr val="000000"/>
                 </a:solidFill>
@@ -406,7 +406,7 @@
             <a:fld id="{08B9EBBA-996F-894A-B54A-D6246ED52CEA}" type="datetimeFigureOut">
               <a:rPr lang="en-US" dirty="0"/>
               <a:pPr/>
-              <a:t>4/11/2022</a:t>
+              <a:t>5/4/2022</a:t>
             </a:fld>
             <a:endParaRPr lang="en-US" dirty="0"/>
           </a:p>
@@ -721,7 +721,7 @@
             <a:fld id="{18C79C5D-2A6F-F04D-97DA-BEF2467B64E4}" type="datetimeFigureOut">
               <a:rPr lang="en-US" dirty="0"/>
               <a:pPr/>
-              <a:t>4/11/2022</a:t>
+              <a:t>5/4/2022</a:t>
             </a:fld>
             <a:endParaRPr lang="en-US" dirty="0"/>
           </a:p>
@@ -1206,7 +1206,7 @@
             <a:fld id="{8DFA1846-DA80-1C48-A609-854EA85C59AD}" type="datetimeFigureOut">
               <a:rPr lang="en-US" dirty="0"/>
               <a:pPr/>
-              <a:t>4/11/2022</a:t>
+              <a:t>5/4/2022</a:t>
             </a:fld>
             <a:endParaRPr lang="en-US" dirty="0"/>
           </a:p>
@@ -1572,7 +1572,7 @@
             <a:fld id="{FBF54567-0DE4-3F47-BF90-CB84690072F9}" type="datetimeFigureOut">
               <a:rPr lang="en-US" dirty="0"/>
               <a:pPr/>
-              <a:t>4/11/2022</a:t>
+              <a:t>5/4/2022</a:t>
             </a:fld>
             <a:endParaRPr lang="en-US" dirty="0"/>
           </a:p>
@@ -1723,7 +1723,7 @@
           <a:ln/>
           <a:extLst>
             <a:ext uri="{91240B29-F687-4f45-9708-019B960494DF}">
-              <a14:hiddenLine xmlns:a14="http://schemas.microsoft.com/office/drawing/2010/main" xmlns="" w="9525">
+              <a14:hiddenLine xmlns="" xmlns:a14="http://schemas.microsoft.com/office/drawing/2010/main" w="9525">
                 <a:solidFill>
                   <a:srgbClr val="000000"/>
                 </a:solidFill>
@@ -1842,7 +1842,7 @@
             <a:fld id="{C6C52C72-DE31-F449-A4ED-4C594FD91407}" type="datetimeFigureOut">
               <a:rPr lang="en-US" dirty="0"/>
               <a:pPr/>
-              <a:t>4/11/2022</a:t>
+              <a:t>5/4/2022</a:t>
             </a:fld>
             <a:endParaRPr lang="en-US" dirty="0"/>
           </a:p>
@@ -1995,7 +1995,7 @@
           <a:ln/>
           <a:extLst>
             <a:ext uri="{91240B29-F687-4f45-9708-019B960494DF}">
-              <a14:hiddenLine xmlns:a14="http://schemas.microsoft.com/office/drawing/2010/main" xmlns="" w="9525">
+              <a14:hiddenLine xmlns="" xmlns:a14="http://schemas.microsoft.com/office/drawing/2010/main" w="9525">
                 <a:solidFill>
                   <a:srgbClr val="000000"/>
                 </a:solidFill>
@@ -2124,7 +2124,7 @@
             <a:fld id="{ED62726E-379B-B349-9EED-81ED093FA806}" type="datetimeFigureOut">
               <a:rPr lang="en-US" dirty="0"/>
               <a:pPr/>
-              <a:t>4/11/2022</a:t>
+              <a:t>5/4/2022</a:t>
             </a:fld>
             <a:endParaRPr lang="en-US" dirty="0"/>
           </a:p>
@@ -2275,7 +2275,7 @@
           <a:ln/>
           <a:extLst>
             <a:ext uri="{91240B29-F687-4f45-9708-019B960494DF}">
-              <a14:hiddenLine xmlns:a14="http://schemas.microsoft.com/office/drawing/2010/main" xmlns="" w="9525">
+              <a14:hiddenLine xmlns="" xmlns:a14="http://schemas.microsoft.com/office/drawing/2010/main" w="9525">
                 <a:solidFill>
                   <a:srgbClr val="000000"/>
                 </a:solidFill>
@@ -2404,7 +2404,7 @@
             <a:fld id="{9B3A1323-8D79-1946-B0D7-40001CF92E9D}" type="datetimeFigureOut">
               <a:rPr lang="en-US" dirty="0"/>
               <a:pPr/>
-              <a:t>4/11/2022</a:t>
+              <a:t>5/4/2022</a:t>
             </a:fld>
             <a:endParaRPr lang="en-US" dirty="0"/>
           </a:p>
@@ -2744,7 +2744,7 @@
             <a:fld id="{8DFA1846-DA80-1C48-A609-854EA85C59AD}" type="datetimeFigureOut">
               <a:rPr lang="en-US" dirty="0"/>
               <a:pPr/>
-              <a:t>4/11/2022</a:t>
+              <a:t>5/4/2022</a:t>
             </a:fld>
             <a:endParaRPr lang="en-US" dirty="0"/>
           </a:p>
@@ -2895,7 +2895,7 @@
           <a:ln/>
           <a:extLst>
             <a:ext uri="{91240B29-F687-4f45-9708-019B960494DF}">
-              <a14:hiddenLine xmlns:a14="http://schemas.microsoft.com/office/drawing/2010/main" xmlns="" w="9525">
+              <a14:hiddenLine xmlns="" xmlns:a14="http://schemas.microsoft.com/office/drawing/2010/main" w="9525">
                 <a:solidFill>
                   <a:srgbClr val="000000"/>
                 </a:solidFill>
@@ -3080,7 +3080,7 @@
             <a:fld id="{57302355-E14B-8545-A8F8-0FE83CC9D524}" type="datetimeFigureOut">
               <a:rPr lang="en-US" dirty="0"/>
               <a:pPr/>
-              <a:t>4/11/2022</a:t>
+              <a:t>5/4/2022</a:t>
             </a:fld>
             <a:endParaRPr lang="en-US" dirty="0"/>
           </a:p>
@@ -3231,7 +3231,7 @@
           <a:ln/>
           <a:extLst>
             <a:ext uri="{91240B29-F687-4f45-9708-019B960494DF}">
-              <a14:hiddenLine xmlns:a14="http://schemas.microsoft.com/office/drawing/2010/main" xmlns="" w="9525">
+              <a14:hiddenLine xmlns="" xmlns:a14="http://schemas.microsoft.com/office/drawing/2010/main" w="9525">
                 <a:solidFill>
                   <a:srgbClr val="000000"/>
                 </a:solidFill>
@@ -3554,7 +3554,7 @@
             <a:fld id="{02640F58-564D-2B4F-AE67-E407BA4FCF45}" type="datetimeFigureOut">
               <a:rPr lang="en-US" dirty="0"/>
               <a:pPr/>
-              <a:t>4/11/2022</a:t>
+              <a:t>5/4/2022</a:t>
             </a:fld>
             <a:endParaRPr lang="en-US" dirty="0"/>
           </a:p>
@@ -3705,7 +3705,7 @@
           <a:ln/>
           <a:extLst>
             <a:ext uri="{91240B29-F687-4f45-9708-019B960494DF}">
-              <a14:hiddenLine xmlns:a14="http://schemas.microsoft.com/office/drawing/2010/main" xmlns="" w="9525">
+              <a14:hiddenLine xmlns="" xmlns:a14="http://schemas.microsoft.com/office/drawing/2010/main" w="9525">
                 <a:solidFill>
                   <a:srgbClr val="000000"/>
                 </a:solidFill>
@@ -3772,7 +3772,7 @@
             <a:fld id="{F13A34C8-038E-2045-AF43-DF7DBB8E0E9E}" type="datetimeFigureOut">
               <a:rPr lang="en-US" dirty="0"/>
               <a:pPr/>
-              <a:t>4/11/2022</a:t>
+              <a:t>5/4/2022</a:t>
             </a:fld>
             <a:endParaRPr lang="en-US" dirty="0"/>
           </a:p>
@@ -3864,7 +3864,7 @@
             <a:fld id="{8818C68F-D26B-8F47-958C-23B49CF8A634}" type="datetimeFigureOut">
               <a:rPr lang="en-US" dirty="0"/>
               <a:pPr/>
-              <a:t>4/11/2022</a:t>
+              <a:t>5/4/2022</a:t>
             </a:fld>
             <a:endParaRPr lang="en-US" dirty="0"/>
           </a:p>
@@ -4128,7 +4128,7 @@
           <a:ln/>
           <a:extLst>
             <a:ext uri="{91240B29-F687-4f45-9708-019B960494DF}">
-              <a14:hiddenLine xmlns:a14="http://schemas.microsoft.com/office/drawing/2010/main" xmlns="" w="9525">
+              <a14:hiddenLine xmlns="" xmlns:a14="http://schemas.microsoft.com/office/drawing/2010/main" w="9525">
                 <a:solidFill>
                   <a:srgbClr val="000000"/>
                 </a:solidFill>
@@ -4328,7 +4328,7 @@
             <a:fld id="{D0DF5E60-9974-AC48-9591-99C2BB44B7CF}" type="datetimeFigureOut">
               <a:rPr lang="en-US" dirty="0"/>
               <a:pPr/>
-              <a:t>4/11/2022</a:t>
+              <a:t>5/4/2022</a:t>
             </a:fld>
             <a:endParaRPr lang="en-US" dirty="0"/>
           </a:p>
@@ -4638,7 +4638,7 @@
             <a:fld id="{18C79C5D-2A6F-F04D-97DA-BEF2467B64E4}" type="datetimeFigureOut">
               <a:rPr lang="en-US" dirty="0"/>
               <a:pPr/>
-              <a:t>4/11/2022</a:t>
+              <a:t>5/4/2022</a:t>
             </a:fld>
             <a:endParaRPr lang="en-US" dirty="0"/>
           </a:p>
@@ -4905,7 +4905,7 @@
             <a:fld id="{09B482E8-6E0E-1B4F-B1FD-C69DB9E858D9}" type="datetimeFigureOut">
               <a:rPr lang="en-US" dirty="0"/>
               <a:pPr/>
-              <a:t>4/11/2022</a:t>
+              <a:t>5/4/2022</a:t>
             </a:fld>
             <a:endParaRPr lang="en-US" dirty="0"/>
           </a:p>
@@ -5907,6 +5907,9 @@
   <p:clrMapOvr>
     <a:masterClrMapping/>
   </p:clrMapOvr>
+  <p:transition spd="slow">
+    <p:push dir="u"/>
+  </p:transition>
 </p:sld>
 </file>
 
@@ -5942,7 +5945,7 @@
         <p:spPr>
           <a:xfrm>
             <a:off x="466051" y="2743202"/>
-            <a:ext cx="9164509" cy="2862322"/>
+            <a:ext cx="9164509" cy="2031325"/>
           </a:xfrm>
           <a:prstGeom prst="rect">
             <a:avLst/>
@@ -5955,17 +5958,23 @@
           </a:bodyPr>
           <a:lstStyle/>
           <a:p>
+            <a:r>
+              <a:rPr lang="ru-RU" dirty="0"/>
+              <a:t>Классы:</a:t>
+            </a:r>
+          </a:p>
+          <a:p>
             <a:pPr marL="285750" indent="-285750">
               <a:buFont typeface="Arial" panose="020B0604020202020204" pitchFamily="34" charset="0"/>
               <a:buChar char="•"/>
             </a:pPr>
             <a:r>
               <a:rPr lang="en-US" dirty="0"/>
-              <a:t>Python – </a:t>
+              <a:t>Test – </a:t>
             </a:r>
             <a:r>
               <a:rPr lang="ru-RU" dirty="0"/>
-              <a:t>язык программирования на котором написан сервер</a:t>
+              <a:t>для хранения теста, содержит экземпляры классов, представляющих 	задания</a:t>
             </a:r>
           </a:p>
           <a:p>
@@ -5973,7 +5982,14 @@
               <a:buFont typeface="Arial" panose="020B0604020202020204" pitchFamily="34" charset="0"/>
               <a:buChar char="•"/>
             </a:pPr>
-            <a:endParaRPr lang="ru-RU" dirty="0"/>
+            <a:r>
+              <a:rPr lang="en-US" dirty="0"/>
+              <a:t>Task</a:t>
+            </a:r>
+            <a:r>
+              <a:rPr lang="ru-RU" dirty="0"/>
+              <a:t> – класс, представляющий базовое задание, от которого наследуются 	все типы заданий</a:t>
+            </a:r>
           </a:p>
           <a:p>
             <a:pPr marL="285750" indent="-285750">
@@ -5981,12 +5997,16 @@
               <a:buChar char="•"/>
             </a:pPr>
             <a:r>
+              <a:rPr lang="ru-RU" dirty="0"/>
+              <a:t>Наследники </a:t>
+            </a:r>
+            <a:r>
               <a:rPr lang="en-US" dirty="0"/>
-              <a:t>Flask – </a:t>
+              <a:t>Task</a:t>
             </a:r>
             <a:r>
               <a:rPr lang="ru-RU" dirty="0"/>
-              <a:t>основная библиотека, осуществляющая работу сервера</a:t>
+              <a:t> – для хранения задания определенного типа </a:t>
             </a:r>
           </a:p>
           <a:p>
@@ -5996,92 +6016,12 @@
             </a:pPr>
             <a:r>
               <a:rPr lang="en-US" dirty="0"/>
-              <a:t>Flask_login – </a:t>
+              <a:t>SavedAnswer – </a:t>
             </a:r>
             <a:r>
               <a:rPr lang="ru-RU" dirty="0"/>
-              <a:t>для возможности входа в систему</a:t>
-            </a:r>
-          </a:p>
-          <a:p>
-            <a:pPr marL="285750" indent="-285750">
-              <a:buFont typeface="Arial" panose="020B0604020202020204" pitchFamily="34" charset="0"/>
-              <a:buChar char="•"/>
-            </a:pPr>
-            <a:r>
-              <a:rPr lang="en-US" dirty="0"/>
-              <a:t>Flask_wtf</a:t>
-            </a:r>
-            <a:r>
-              <a:rPr lang="ru-RU" dirty="0"/>
-              <a:t> – для создания форм</a:t>
-            </a:r>
-          </a:p>
-          <a:p>
-            <a:pPr marL="285750" indent="-285750">
-              <a:buFont typeface="Arial" panose="020B0604020202020204" pitchFamily="34" charset="0"/>
-              <a:buChar char="•"/>
-            </a:pPr>
-            <a:endParaRPr lang="en-US" dirty="0"/>
-          </a:p>
-          <a:p>
-            <a:pPr marL="285750" indent="-285750">
-              <a:buFont typeface="Arial" panose="020B0604020202020204" pitchFamily="34" charset="0"/>
-              <a:buChar char="•"/>
-            </a:pPr>
-            <a:r>
-              <a:rPr lang="en-US" dirty="0"/>
-              <a:t>SQLite</a:t>
-            </a:r>
-            <a:r>
-              <a:rPr lang="ru-RU" dirty="0"/>
-              <a:t>3 – библиотека, позволяющая работать с базой данных</a:t>
-            </a:r>
-          </a:p>
-          <a:p>
-            <a:pPr marL="285750" indent="-285750">
-              <a:buFont typeface="Arial" panose="020B0604020202020204" pitchFamily="34" charset="0"/>
-              <a:buChar char="•"/>
-            </a:pPr>
-            <a:r>
-              <a:rPr lang="en-US" dirty="0"/>
-              <a:t>Datetime</a:t>
-            </a:r>
-            <a:r>
-              <a:rPr lang="ru-RU" dirty="0"/>
-              <a:t> – для определения текущего времени</a:t>
-            </a:r>
-            <a:endParaRPr lang="en-US" dirty="0"/>
-          </a:p>
-          <a:p>
-            <a:pPr marL="285750" indent="-285750">
-              <a:buFont typeface="Arial" panose="020B0604020202020204" pitchFamily="34" charset="0"/>
-              <a:buChar char="•"/>
-            </a:pPr>
-            <a:r>
-              <a:rPr lang="en-US" dirty="0"/>
-              <a:t>Json</a:t>
-            </a:r>
-            <a:r>
-              <a:rPr lang="ru-RU" dirty="0"/>
-              <a:t> – для хранения информации о тестах</a:t>
-            </a:r>
-            <a:endParaRPr lang="en-US" dirty="0"/>
-          </a:p>
-          <a:p>
-            <a:pPr marL="285750" indent="-285750">
-              <a:buFont typeface="Arial" panose="020B0604020202020204" pitchFamily="34" charset="0"/>
-              <a:buChar char="•"/>
-            </a:pPr>
-            <a:r>
-              <a:rPr lang="en-US" dirty="0"/>
-              <a:t>Logging</a:t>
-            </a:r>
-            <a:r>
-              <a:rPr lang="ru-RU" dirty="0"/>
-              <a:t> – для ведения логов о работе сервера</a:t>
-            </a:r>
-            <a:endParaRPr lang="en-US" dirty="0"/>
+              <a:t>класс, хранящий, сохраненный ответ</a:t>
+            </a:r>
           </a:p>
         </p:txBody>
       </p:sp>
@@ -6185,7 +6125,7 @@
           <a:p>
             <a:r>
               <a:rPr lang="ru-RU" dirty="0"/>
-              <a:t>КАК МЫ ЭТО СДЕЛАЛИ</a:t>
+              <a:t>СТРУКТУРА</a:t>
             </a:r>
           </a:p>
         </p:txBody>
@@ -6193,13 +6133,16 @@
     </p:spTree>
     <p:extLst>
       <p:ext uri="{BB962C8B-B14F-4D97-AF65-F5344CB8AC3E}">
-        <p14:creationId xmlns:p14="http://schemas.microsoft.com/office/powerpoint/2010/main" val="569241766"/>
+        <p14:creationId xmlns:p14="http://schemas.microsoft.com/office/powerpoint/2010/main" val="1884477027"/>
       </p:ext>
     </p:extLst>
   </p:cSld>
   <p:clrMapOvr>
     <a:masterClrMapping/>
   </p:clrMapOvr>
+  <p:transition spd="slow">
+    <p:push dir="u"/>
+  </p:transition>
 </p:sld>
 </file>
 
@@ -6235,7 +6178,7 @@
         <p:spPr>
           <a:xfrm>
             <a:off x="466051" y="2743202"/>
-            <a:ext cx="9164509" cy="369332"/>
+            <a:ext cx="9164509" cy="1754326"/>
           </a:xfrm>
           <a:prstGeom prst="rect">
             <a:avLst/>
@@ -6248,9 +6191,81 @@
           </a:bodyPr>
           <a:lstStyle/>
           <a:p>
+            <a:pPr marL="285750" indent="-285750">
+              <a:buFont typeface="Arial" panose="020B0604020202020204" pitchFamily="34" charset="0"/>
+              <a:buChar char="•"/>
+            </a:pPr>
+            <a:r>
+              <a:rPr lang="ru-RU" dirty="0">
+                <a:latin typeface="Arial Black" panose="020B0A04020102020204" pitchFamily="34" charset="0"/>
+              </a:rPr>
+              <a:t>Проработанный дизайн</a:t>
+            </a:r>
+          </a:p>
+          <a:p>
+            <a:pPr marL="285750" indent="-285750">
+              <a:buFont typeface="Arial" panose="020B0604020202020204" pitchFamily="34" charset="0"/>
+              <a:buChar char="•"/>
+            </a:pPr>
             <a:r>
               <a:rPr lang="ru-RU" dirty="0"/>
-              <a:t>…..</a:t>
+              <a:t>ПОЛНОЕ отсутствие рекламы!</a:t>
+            </a:r>
+          </a:p>
+          <a:p>
+            <a:pPr marL="285750" indent="-285750">
+              <a:buFont typeface="Arial" panose="020B0604020202020204" pitchFamily="34" charset="0"/>
+              <a:buChar char="•"/>
+            </a:pPr>
+            <a:r>
+              <a:rPr lang="ru-RU" dirty="0"/>
+              <a:t>Открытый исходный код</a:t>
+            </a:r>
+          </a:p>
+          <a:p>
+            <a:pPr marL="285750" indent="-285750">
+              <a:buFont typeface="Arial" panose="020B0604020202020204" pitchFamily="34" charset="0"/>
+              <a:buChar char="•"/>
+            </a:pPr>
+            <a:r>
+              <a:rPr lang="ru-RU" dirty="0"/>
+              <a:t>Неподкупные разработчики(если речь о малых деньгах(</a:t>
+            </a:r>
+            <a:r>
+              <a:rPr lang="en-US" dirty="0"/>
+              <a:t>&lt;1</a:t>
+            </a:r>
+            <a:r>
+              <a:rPr lang="ru-RU" dirty="0"/>
+              <a:t>5</a:t>
+            </a:r>
+            <a:r>
+              <a:rPr lang="en-US" dirty="0"/>
+              <a:t>0</a:t>
+            </a:r>
+            <a:r>
+              <a:rPr lang="ru-RU" dirty="0"/>
+              <a:t>р))</a:t>
+            </a:r>
+          </a:p>
+          <a:p>
+            <a:pPr marL="285750" indent="-285750">
+              <a:buFont typeface="Arial" panose="020B0604020202020204" pitchFamily="34" charset="0"/>
+              <a:buChar char="•"/>
+            </a:pPr>
+            <a:r>
+              <a:rPr lang="ru-RU" dirty="0"/>
+              <a:t>Оптимизация работы сайта</a:t>
+            </a:r>
+          </a:p>
+          <a:p>
+            <a:pPr marL="285750" indent="-285750">
+              <a:buFont typeface="Arial" panose="020B0604020202020204" pitchFamily="34" charset="0"/>
+              <a:buChar char="•"/>
+            </a:pPr>
+            <a:r>
+              <a:rPr lang="ru-RU" dirty="0"/>
+              <a:t>Интуитивно понятный дизайн</a:t>
             </a:r>
           </a:p>
         </p:txBody>
@@ -6355,7 +6370,7 @@
           <a:p>
             <a:r>
               <a:rPr lang="ru-RU" dirty="0"/>
-              <a:t>КАК ЭТО МОЖНО РАЗВИТЬ</a:t>
+              <a:t>ОСОБЕННОСТИ</a:t>
             </a:r>
           </a:p>
         </p:txBody>
@@ -6363,13 +6378,16 @@
     </p:spTree>
     <p:extLst>
       <p:ext uri="{BB962C8B-B14F-4D97-AF65-F5344CB8AC3E}">
-        <p14:creationId xmlns:p14="http://schemas.microsoft.com/office/powerpoint/2010/main" val="2053561518"/>
+        <p14:creationId xmlns:p14="http://schemas.microsoft.com/office/powerpoint/2010/main" val="1477974811"/>
       </p:ext>
     </p:extLst>
   </p:cSld>
   <p:clrMapOvr>
     <a:masterClrMapping/>
   </p:clrMapOvr>
+  <p:transition spd="slow">
+    <p:push dir="u"/>
+  </p:transition>
 </p:sld>
 </file>
 
@@ -6405,7 +6423,7 @@
         <p:spPr>
           <a:xfrm>
             <a:off x="466051" y="2743202"/>
-            <a:ext cx="9164509" cy="369332"/>
+            <a:ext cx="9164509" cy="2862322"/>
           </a:xfrm>
           <a:prstGeom prst="rect">
             <a:avLst/>
@@ -6418,10 +6436,133 @@
           </a:bodyPr>
           <a:lstStyle/>
           <a:p>
+            <a:pPr marL="285750" indent="-285750">
+              <a:buFont typeface="Arial" panose="020B0604020202020204" pitchFamily="34" charset="0"/>
+              <a:buChar char="•"/>
+            </a:pPr>
+            <a:r>
+              <a:rPr lang="en-US" dirty="0"/>
+              <a:t>Python – </a:t>
+            </a:r>
             <a:r>
               <a:rPr lang="ru-RU" dirty="0"/>
-              <a:t>…..</a:t>
-            </a:r>
+              <a:t>язык программирования на котором написан сервер</a:t>
+            </a:r>
+          </a:p>
+          <a:p>
+            <a:pPr marL="285750" indent="-285750">
+              <a:buFont typeface="Arial" panose="020B0604020202020204" pitchFamily="34" charset="0"/>
+              <a:buChar char="•"/>
+            </a:pPr>
+            <a:endParaRPr lang="ru-RU" dirty="0"/>
+          </a:p>
+          <a:p>
+            <a:pPr marL="285750" indent="-285750">
+              <a:buFont typeface="Arial" panose="020B0604020202020204" pitchFamily="34" charset="0"/>
+              <a:buChar char="•"/>
+            </a:pPr>
+            <a:r>
+              <a:rPr lang="en-US" dirty="0"/>
+              <a:t>Flask – </a:t>
+            </a:r>
+            <a:r>
+              <a:rPr lang="ru-RU" dirty="0"/>
+              <a:t>основная библиотека, осуществляющая работу сервера</a:t>
+            </a:r>
+          </a:p>
+          <a:p>
+            <a:pPr marL="285750" indent="-285750">
+              <a:buFont typeface="Arial" panose="020B0604020202020204" pitchFamily="34" charset="0"/>
+              <a:buChar char="•"/>
+            </a:pPr>
+            <a:r>
+              <a:rPr lang="en-US" dirty="0"/>
+              <a:t>Flask_login – </a:t>
+            </a:r>
+            <a:r>
+              <a:rPr lang="ru-RU" dirty="0"/>
+              <a:t>для возможности входа в систему</a:t>
+            </a:r>
+          </a:p>
+          <a:p>
+            <a:pPr marL="285750" indent="-285750">
+              <a:buFont typeface="Arial" panose="020B0604020202020204" pitchFamily="34" charset="0"/>
+              <a:buChar char="•"/>
+            </a:pPr>
+            <a:r>
+              <a:rPr lang="en-US" dirty="0"/>
+              <a:t>Flask_wtf</a:t>
+            </a:r>
+            <a:r>
+              <a:rPr lang="ru-RU" dirty="0"/>
+              <a:t> – для создания форм</a:t>
+            </a:r>
+          </a:p>
+          <a:p>
+            <a:pPr marL="285750" indent="-285750">
+              <a:buFont typeface="Arial" panose="020B0604020202020204" pitchFamily="34" charset="0"/>
+              <a:buChar char="•"/>
+            </a:pPr>
+            <a:endParaRPr lang="en-US" dirty="0"/>
+          </a:p>
+          <a:p>
+            <a:pPr marL="285750" indent="-285750">
+              <a:buFont typeface="Arial" panose="020B0604020202020204" pitchFamily="34" charset="0"/>
+              <a:buChar char="•"/>
+            </a:pPr>
+            <a:r>
+              <a:rPr lang="en-US" dirty="0"/>
+              <a:t>SQLite</a:t>
+            </a:r>
+            <a:r>
+              <a:rPr lang="ru-RU" dirty="0"/>
+              <a:t>3 – библиотека, позволяющая работать с базой данных</a:t>
+            </a:r>
+          </a:p>
+          <a:p>
+            <a:pPr marL="285750" indent="-285750">
+              <a:buFont typeface="Arial" panose="020B0604020202020204" pitchFamily="34" charset="0"/>
+              <a:buChar char="•"/>
+            </a:pPr>
+            <a:r>
+              <a:rPr lang="en-US" dirty="0"/>
+              <a:t>Datetime</a:t>
+            </a:r>
+            <a:r>
+              <a:rPr lang="ru-RU" dirty="0"/>
+              <a:t> – для определения текущего времени</a:t>
+            </a:r>
+            <a:endParaRPr lang="en-US" dirty="0"/>
+          </a:p>
+          <a:p>
+            <a:pPr marL="285750" indent="-285750">
+              <a:buFont typeface="Arial" panose="020B0604020202020204" pitchFamily="34" charset="0"/>
+              <a:buChar char="•"/>
+            </a:pPr>
+            <a:r>
+              <a:rPr lang="en-US" dirty="0"/>
+              <a:t>Json</a:t>
+            </a:r>
+            <a:r>
+              <a:rPr lang="ru-RU" dirty="0"/>
+              <a:t> – для хранения информации о тестах</a:t>
+            </a:r>
+            <a:endParaRPr lang="en-US" dirty="0"/>
+          </a:p>
+          <a:p>
+            <a:pPr marL="285750" indent="-285750">
+              <a:buFont typeface="Arial" panose="020B0604020202020204" pitchFamily="34" charset="0"/>
+              <a:buChar char="•"/>
+            </a:pPr>
+            <a:r>
+              <a:rPr lang="en-US" dirty="0"/>
+              <a:t>Logging</a:t>
+            </a:r>
+            <a:r>
+              <a:rPr lang="ru-RU" dirty="0"/>
+              <a:t> – для ведения логов о работе сервера</a:t>
+            </a:r>
+            <a:endParaRPr lang="en-US" dirty="0"/>
           </a:p>
         </p:txBody>
       </p:sp>
@@ -6525,7 +6666,7 @@
           <a:p>
             <a:r>
               <a:rPr lang="ru-RU" dirty="0"/>
-              <a:t>КАК ЭТО МОЖНО РАЗВИТЬ</a:t>
+              <a:t>ТЕХНЛОГИИ</a:t>
             </a:r>
           </a:p>
         </p:txBody>
@@ -6533,13 +6674,16 @@
     </p:spTree>
     <p:extLst>
       <p:ext uri="{BB962C8B-B14F-4D97-AF65-F5344CB8AC3E}">
-        <p14:creationId xmlns:p14="http://schemas.microsoft.com/office/powerpoint/2010/main" val="3232647186"/>
+        <p14:creationId xmlns:p14="http://schemas.microsoft.com/office/powerpoint/2010/main" val="569241766"/>
       </p:ext>
     </p:extLst>
   </p:cSld>
   <p:clrMapOvr>
     <a:masterClrMapping/>
   </p:clrMapOvr>
+  <p:transition spd="slow">
+    <p:push dir="u"/>
+  </p:transition>
 </p:sld>
 </file>
 
@@ -6575,7 +6719,7 @@
         <p:spPr>
           <a:xfrm>
             <a:off x="466051" y="2743202"/>
-            <a:ext cx="9164509" cy="369332"/>
+            <a:ext cx="9164509" cy="2585323"/>
           </a:xfrm>
           <a:prstGeom prst="rect">
             <a:avLst/>
@@ -6588,10 +6732,71 @@
           </a:bodyPr>
           <a:lstStyle/>
           <a:p>
+            <a:pPr marL="285750" indent="-285750">
+              <a:buFont typeface="Arial" panose="020B0604020202020204" pitchFamily="34" charset="0"/>
+              <a:buChar char="•"/>
+            </a:pPr>
             <a:r>
               <a:rPr lang="ru-RU" dirty="0"/>
-              <a:t>…..</a:t>
-            </a:r>
+              <a:t>Доработать дизайн</a:t>
+            </a:r>
+          </a:p>
+          <a:p>
+            <a:pPr marL="285750" indent="-285750">
+              <a:buFont typeface="Arial" panose="020B0604020202020204" pitchFamily="34" charset="0"/>
+              <a:buChar char="•"/>
+            </a:pPr>
+            <a:r>
+              <a:rPr lang="ru-RU" dirty="0"/>
+              <a:t>Оптимизировать работу</a:t>
+            </a:r>
+          </a:p>
+          <a:p>
+            <a:pPr marL="285750" indent="-285750">
+              <a:buFont typeface="Arial" panose="020B0604020202020204" pitchFamily="34" charset="0"/>
+              <a:buChar char="•"/>
+            </a:pPr>
+            <a:r>
+              <a:rPr lang="ru-RU" dirty="0"/>
+              <a:t>Возможность поделиться своими тестами с другими</a:t>
+            </a:r>
+          </a:p>
+          <a:p>
+            <a:pPr marL="285750" indent="-285750">
+              <a:buFont typeface="Arial" panose="020B0604020202020204" pitchFamily="34" charset="0"/>
+              <a:buChar char="•"/>
+            </a:pPr>
+            <a:r>
+              <a:rPr lang="ru-RU" dirty="0"/>
+              <a:t>Добавить отношения между пользователями(к примеру учитель может разбить своих учеников по классам, для удобного выставления оценок)</a:t>
+            </a:r>
+          </a:p>
+          <a:p>
+            <a:pPr marL="285750" indent="-285750">
+              <a:buFont typeface="Arial" panose="020B0604020202020204" pitchFamily="34" charset="0"/>
+              <a:buChar char="•"/>
+            </a:pPr>
+            <a:r>
+              <a:rPr lang="ru-RU" dirty="0"/>
+              <a:t>Интеграции с другими платформами(например ЭЖД для автоматического выставления оценок)</a:t>
+            </a:r>
+          </a:p>
+          <a:p>
+            <a:pPr marL="285750" indent="-285750">
+              <a:buFont typeface="Arial" panose="020B0604020202020204" pitchFamily="34" charset="0"/>
+              <a:buChar char="•"/>
+            </a:pPr>
+            <a:r>
+              <a:rPr lang="ru-RU" dirty="0"/>
+              <a:t>Добавление тех поддержки</a:t>
+            </a:r>
+          </a:p>
+          <a:p>
+            <a:pPr marL="285750" indent="-285750">
+              <a:buFont typeface="Arial" panose="020B0604020202020204" pitchFamily="34" charset="0"/>
+              <a:buChar char="•"/>
+            </a:pPr>
+            <a:endParaRPr lang="ru-RU" dirty="0"/>
           </a:p>
         </p:txBody>
       </p:sp>
@@ -6695,7 +6900,54 @@
           <a:p>
             <a:r>
               <a:rPr lang="ru-RU" dirty="0"/>
-              <a:t>ОСОБЕННОСТИ</a:t>
+              <a:t>КАК ЭТО МОЖНО РАЗВИТЬ</a:t>
+            </a:r>
+          </a:p>
+        </p:txBody>
+      </p:sp>
+      <p:sp>
+        <p:nvSpPr>
+          <p:cNvPr id="5" name="TextBox 4">
+            <a:extLst>
+              <a:ext uri="{FF2B5EF4-FFF2-40B4-BE49-F238E27FC236}">
+                <a16:creationId xmlns:a16="http://schemas.microsoft.com/office/drawing/2014/main" id="{3B2F0E24-A746-4FA5-8227-F05380F8A55F}"/>
+              </a:ext>
+            </a:extLst>
+          </p:cNvPr>
+          <p:cNvSpPr txBox="1"/>
+          <p:nvPr/>
+        </p:nvSpPr>
+        <p:spPr>
+          <a:xfrm>
+            <a:off x="310604" y="5586986"/>
+            <a:ext cx="7654492" cy="646331"/>
+          </a:xfrm>
+          <a:prstGeom prst="rect">
+            <a:avLst/>
+          </a:prstGeom>
+          <a:noFill/>
+        </p:spPr>
+        <p:txBody>
+          <a:bodyPr wrap="square" rtlCol="0">
+            <a:spAutoFit/>
+          </a:bodyPr>
+          <a:lstStyle/>
+          <a:p>
+            <a:pPr marL="285750" indent="-285750" algn="ctr">
+              <a:buFont typeface="Arial" panose="020B0604020202020204" pitchFamily="34" charset="0"/>
+              <a:buChar char="•"/>
+            </a:pPr>
+            <a:r>
+              <a:rPr lang="ru-RU" dirty="0"/>
+              <a:t>Создать бота для моментального слива ответов за </a:t>
+            </a:r>
+            <a:r>
+              <a:rPr lang="en-US" dirty="0"/>
+              <a:t>n</a:t>
+            </a:r>
+            <a:r>
+              <a:rPr lang="ru-RU" dirty="0"/>
+              <a:t> сумму (7548 5623 5632 4532)</a:t>
             </a:r>
           </a:p>
         </p:txBody>
@@ -6703,13 +6955,226 @@
     </p:spTree>
     <p:extLst>
       <p:ext uri="{BB962C8B-B14F-4D97-AF65-F5344CB8AC3E}">
-        <p14:creationId xmlns:p14="http://schemas.microsoft.com/office/powerpoint/2010/main" val="1477974811"/>
+        <p14:creationId xmlns:p14="http://schemas.microsoft.com/office/powerpoint/2010/main" val="2053561518"/>
       </p:ext>
     </p:extLst>
   </p:cSld>
   <p:clrMapOvr>
     <a:masterClrMapping/>
   </p:clrMapOvr>
+  <p:transition spd="slow">
+    <p:push dir="u"/>
+  </p:transition>
+  <p:timing>
+    <p:tnLst>
+      <p:par>
+        <p:cTn id="1" dur="indefinite" restart="never" nodeType="tmRoot">
+          <p:childTnLst>
+            <p:seq concurrent="1" nextAc="seek">
+              <p:cTn id="2" dur="indefinite" nodeType="mainSeq">
+                <p:childTnLst>
+                  <p:par>
+                    <p:cTn id="3" fill="hold">
+                      <p:stCondLst>
+                        <p:cond delay="indefinite"/>
+                        <p:cond evt="onBegin" delay="0">
+                          <p:tn val="2"/>
+                        </p:cond>
+                      </p:stCondLst>
+                      <p:childTnLst>
+                        <p:par>
+                          <p:cTn id="4" fill="hold">
+                            <p:stCondLst>
+                              <p:cond delay="0"/>
+                            </p:stCondLst>
+                            <p:childTnLst>
+                              <p:par>
+                                <p:cTn id="5" presetID="2" presetClass="entr" presetSubtype="8" fill="hold" grpId="0" nodeType="afterEffect">
+                                  <p:stCondLst>
+                                    <p:cond delay="500"/>
+                                  </p:stCondLst>
+                                  <p:childTnLst>
+                                    <p:set>
+                                      <p:cBhvr>
+                                        <p:cTn id="6" dur="1" fill="hold">
+                                          <p:stCondLst>
+                                            <p:cond delay="0"/>
+                                          </p:stCondLst>
+                                        </p:cTn>
+                                        <p:tgtEl>
+                                          <p:spTgt spid="5"/>
+                                        </p:tgtEl>
+                                        <p:attrNameLst>
+                                          <p:attrName>style.visibility</p:attrName>
+                                        </p:attrNameLst>
+                                      </p:cBhvr>
+                                      <p:to>
+                                        <p:strVal val="visible"/>
+                                      </p:to>
+                                    </p:set>
+                                    <p:anim calcmode="lin" valueType="num">
+                                      <p:cBhvr additive="base">
+                                        <p:cTn id="7" dur="500" fill="hold"/>
+                                        <p:tgtEl>
+                                          <p:spTgt spid="5"/>
+                                        </p:tgtEl>
+                                        <p:attrNameLst>
+                                          <p:attrName>ppt_x</p:attrName>
+                                        </p:attrNameLst>
+                                      </p:cBhvr>
+                                      <p:tavLst>
+                                        <p:tav tm="0">
+                                          <p:val>
+                                            <p:strVal val="0-#ppt_w/2"/>
+                                          </p:val>
+                                        </p:tav>
+                                        <p:tav tm="100000">
+                                          <p:val>
+                                            <p:strVal val="#ppt_x"/>
+                                          </p:val>
+                                        </p:tav>
+                                      </p:tavLst>
+                                    </p:anim>
+                                    <p:anim calcmode="lin" valueType="num">
+                                      <p:cBhvr additive="base">
+                                        <p:cTn id="8" dur="500" fill="hold"/>
+                                        <p:tgtEl>
+                                          <p:spTgt spid="5"/>
+                                        </p:tgtEl>
+                                        <p:attrNameLst>
+                                          <p:attrName>ppt_y</p:attrName>
+                                        </p:attrNameLst>
+                                      </p:cBhvr>
+                                      <p:tavLst>
+                                        <p:tav tm="0">
+                                          <p:val>
+                                            <p:strVal val="#ppt_y"/>
+                                          </p:val>
+                                        </p:tav>
+                                        <p:tav tm="100000">
+                                          <p:val>
+                                            <p:strVal val="#ppt_y"/>
+                                          </p:val>
+                                        </p:tav>
+                                      </p:tavLst>
+                                    </p:anim>
+                                  </p:childTnLst>
+                                </p:cTn>
+                              </p:par>
+                            </p:childTnLst>
+                          </p:cTn>
+                        </p:par>
+                        <p:par>
+                          <p:cTn id="9" fill="hold">
+                            <p:stCondLst>
+                              <p:cond delay="1000"/>
+                            </p:stCondLst>
+                            <p:childTnLst>
+                              <p:par>
+                                <p:cTn id="10" presetID="2" presetClass="exit" presetSubtype="2" fill="hold" grpId="1" nodeType="afterEffect">
+                                  <p:stCondLst>
+                                    <p:cond delay="2500"/>
+                                  </p:stCondLst>
+                                  <p:childTnLst>
+                                    <p:anim calcmode="lin" valueType="num">
+                                      <p:cBhvr additive="base">
+                                        <p:cTn id="11" dur="500"/>
+                                        <p:tgtEl>
+                                          <p:spTgt spid="5"/>
+                                        </p:tgtEl>
+                                        <p:attrNameLst>
+                                          <p:attrName>ppt_x</p:attrName>
+                                        </p:attrNameLst>
+                                      </p:cBhvr>
+                                      <p:tavLst>
+                                        <p:tav tm="0">
+                                          <p:val>
+                                            <p:strVal val="ppt_x"/>
+                                          </p:val>
+                                        </p:tav>
+                                        <p:tav tm="100000">
+                                          <p:val>
+                                            <p:strVal val="1+ppt_w/2"/>
+                                          </p:val>
+                                        </p:tav>
+                                      </p:tavLst>
+                                    </p:anim>
+                                    <p:anim calcmode="lin" valueType="num">
+                                      <p:cBhvr additive="base">
+                                        <p:cTn id="12" dur="500"/>
+                                        <p:tgtEl>
+                                          <p:spTgt spid="5"/>
+                                        </p:tgtEl>
+                                        <p:attrNameLst>
+                                          <p:attrName>ppt_y</p:attrName>
+                                        </p:attrNameLst>
+                                      </p:cBhvr>
+                                      <p:tavLst>
+                                        <p:tav tm="0">
+                                          <p:val>
+                                            <p:strVal val="ppt_y"/>
+                                          </p:val>
+                                        </p:tav>
+                                        <p:tav tm="100000">
+                                          <p:val>
+                                            <p:strVal val="ppt_y"/>
+                                          </p:val>
+                                        </p:tav>
+                                      </p:tavLst>
+                                    </p:anim>
+                                    <p:set>
+                                      <p:cBhvr>
+                                        <p:cTn id="13" dur="1" fill="hold">
+                                          <p:stCondLst>
+                                            <p:cond delay="499"/>
+                                          </p:stCondLst>
+                                        </p:cTn>
+                                        <p:tgtEl>
+                                          <p:spTgt spid="5"/>
+                                        </p:tgtEl>
+                                        <p:attrNameLst>
+                                          <p:attrName>style.visibility</p:attrName>
+                                        </p:attrNameLst>
+                                      </p:cBhvr>
+                                      <p:to>
+                                        <p:strVal val="hidden"/>
+                                      </p:to>
+                                    </p:set>
+                                  </p:childTnLst>
+                                </p:cTn>
+                              </p:par>
+                            </p:childTnLst>
+                          </p:cTn>
+                        </p:par>
+                      </p:childTnLst>
+                    </p:cTn>
+                  </p:par>
+                </p:childTnLst>
+              </p:cTn>
+              <p:prevCondLst>
+                <p:cond evt="onPrev" delay="0">
+                  <p:tgtEl>
+                    <p:sldTgt/>
+                  </p:tgtEl>
+                </p:cond>
+              </p:prevCondLst>
+              <p:nextCondLst>
+                <p:cond evt="onNext" delay="0">
+                  <p:tgtEl>
+                    <p:sldTgt/>
+                  </p:tgtEl>
+                </p:cond>
+              </p:nextCondLst>
+            </p:seq>
+          </p:childTnLst>
+        </p:cTn>
+      </p:par>
+    </p:tnLst>
+    <p:bldLst>
+      <p:bldP spid="5" grpId="0"/>
+      <p:bldP spid="5" grpId="1"/>
+    </p:bldLst>
+  </p:timing>
 </p:sld>
 </file>
 
@@ -6732,41 +7197,6 @@
       </p:grpSpPr>
       <p:sp>
         <p:nvSpPr>
-          <p:cNvPr id="2" name="TextBox 1">
-            <a:extLst>
-              <a:ext uri="{FF2B5EF4-FFF2-40B4-BE49-F238E27FC236}">
-                <a16:creationId xmlns:a16="http://schemas.microsoft.com/office/drawing/2014/main" id="{0C3026D0-4CE9-434B-9D7F-8CD651C5B92E}"/>
-              </a:ext>
-            </a:extLst>
-          </p:cNvPr>
-          <p:cNvSpPr txBox="1"/>
-          <p:nvPr/>
-        </p:nvSpPr>
-        <p:spPr>
-          <a:xfrm>
-            <a:off x="466051" y="2743202"/>
-            <a:ext cx="9164509" cy="369332"/>
-          </a:xfrm>
-          <a:prstGeom prst="rect">
-            <a:avLst/>
-          </a:prstGeom>
-          <a:noFill/>
-        </p:spPr>
-        <p:txBody>
-          <a:bodyPr wrap="square" rtlCol="0">
-            <a:spAutoFit/>
-          </a:bodyPr>
-          <a:lstStyle/>
-          <a:p>
-            <a:r>
-              <a:rPr lang="ru-RU" dirty="0"/>
-              <a:t>…..</a:t>
-            </a:r>
-          </a:p>
-        </p:txBody>
-      </p:sp>
-      <p:sp>
-        <p:nvSpPr>
           <p:cNvPr id="4" name="Заголовок 1">
             <a:extLst>
               <a:ext uri="{FF2B5EF4-FFF2-40B4-BE49-F238E27FC236}">
@@ -6781,15 +7211,15 @@
         </p:nvSpPr>
         <p:spPr>
           <a:xfrm>
-            <a:off x="466052" y="461391"/>
-            <a:ext cx="10572000" cy="2030136"/>
+            <a:off x="0" y="0"/>
+            <a:ext cx="12192000" cy="6858000"/>
           </a:xfrm>
           <a:prstGeom prst="rect">
             <a:avLst/>
           </a:prstGeom>
         </p:spPr>
         <p:txBody>
-          <a:bodyPr/>
+          <a:bodyPr anchor="ctr"/>
           <a:lstStyle>
             <a:lvl1pPr algn="l" defTabSz="457200" rtl="0" eaLnBrk="1" latinLnBrk="0" hangingPunct="1">
               <a:spcBef>
@@ -6863,6 +7293,7 @@
             </a:lvl9pPr>
           </a:lstStyle>
           <a:p>
+            <a:pPr algn="ctr"/>
             <a:r>
               <a:rPr lang="ru-RU" dirty="0"/>
               <a:t>ПЕРЕЙДЕМ К ДЕМОНСТРАЦИИ</a:t>
@@ -6880,6 +7311,9 @@
   <p:clrMapOvr>
     <a:masterClrMapping/>
   </p:clrMapOvr>
+  <p:transition spd="slow">
+    <p:push dir="u"/>
+  </p:transition>
 </p:sld>
 </file>
 
